--- a/Presentation artem.pptx
+++ b/Presentation artem.pptx
@@ -4451,15 +4451,17 @@
           </a:xfrm>
         </p:spPr>
         <p:txBody>
-          <a:bodyPr/>
+          <a:bodyPr>
+            <a:noAutofit/>
+          </a:bodyPr>
           <a:lstStyle/>
           <a:p>
             <a:pPr algn="ctr"/>
             <a:r>
-              <a:rPr lang="uk-UA" b="1" dirty="0" smtClean="0"/>
+              <a:rPr lang="uk-UA" sz="5400" b="1" dirty="0" smtClean="0"/>
               <a:t>Джерела даних</a:t>
             </a:r>
-            <a:endParaRPr lang="ru-RU" b="1" dirty="0"/>
+            <a:endParaRPr lang="ru-RU" sz="5400" b="1" dirty="0"/>
           </a:p>
         </p:txBody>
       </p:sp>
@@ -4475,8 +4477,8 @@
         </p:nvSpPr>
         <p:spPr>
           <a:xfrm>
-            <a:off x="2998573" y="2732759"/>
-            <a:ext cx="5516777" cy="949106"/>
+            <a:off x="2776151" y="2790937"/>
+            <a:ext cx="5108222" cy="949106"/>
           </a:xfrm>
         </p:spPr>
         <p:txBody>
@@ -4655,8 +4657,8 @@
         </p:nvSpPr>
         <p:spPr>
           <a:xfrm>
-            <a:off x="5131594" y="2043183"/>
-            <a:ext cx="1250731" cy="566283"/>
+            <a:off x="4711928" y="2026982"/>
+            <a:ext cx="2210781" cy="566283"/>
           </a:xfrm>
           <a:prstGeom prst="downArrow">
             <a:avLst/>
@@ -4842,7 +4844,7 @@
         </p:blipFill>
         <p:spPr bwMode="auto">
           <a:xfrm>
-            <a:off x="8236881" y="2708766"/>
+            <a:off x="7939486" y="2790937"/>
             <a:ext cx="816561" cy="816561"/>
           </a:xfrm>
           <a:prstGeom prst="rect">
@@ -5206,15 +5208,17 @@
         </p:nvSpPr>
         <p:spPr/>
         <p:txBody>
-          <a:bodyPr/>
+          <a:bodyPr>
+            <a:normAutofit/>
+          </a:bodyPr>
           <a:lstStyle/>
           <a:p>
             <a:pPr algn="ctr"/>
             <a:r>
-              <a:rPr lang="ru-RU" b="1" dirty="0" smtClean="0"/>
+              <a:rPr lang="ru-RU" sz="6000" b="1" dirty="0" smtClean="0"/>
               <a:t>Аналоги</a:t>
             </a:r>
-            <a:endParaRPr lang="uk-UA" b="1" dirty="0"/>
+            <a:endParaRPr lang="uk-UA" sz="6000" b="1" dirty="0"/>
           </a:p>
         </p:txBody>
       </p:sp>
